--- a/structure.pptx
+++ b/structure.pptx
@@ -106,6 +106,11 @@
       </a:defRPr>
     </a:lvl9pPr>
   </p:defaultTextStyle>
+  <p:extLst>
+    <p:ext uri="{EFAFB233-063F-42B5-8137-9DF3F51BA10A}">
+      <p15:sldGuideLst xmlns:p15="http://schemas.microsoft.com/office/powerpoint/2012/main"/>
+    </p:ext>
+  </p:extLst>
 </p:presentation>
 </file>
 
@@ -2029,6 +2034,13 @@
         </dgm:presLayoutVars>
       </dgm:prSet>
       <dgm:spPr/>
+      <dgm:t>
+        <a:bodyPr/>
+        <a:lstStyle/>
+        <a:p>
+          <a:endParaRPr lang="en-US"/>
+        </a:p>
+      </dgm:t>
     </dgm:pt>
     <dgm:pt modelId="{891C7389-5DED-4BA1-950A-B0D336A64750}" type="pres">
       <dgm:prSet presAssocID="{7BB8852D-2755-4710-9DEE-B7A342A8A82C}" presName="hierRoot1" presStyleCnt="0">
@@ -2060,6 +2072,13 @@
     <dgm:pt modelId="{95430698-7E5F-4820-9436-38271A214168}" type="pres">
       <dgm:prSet presAssocID="{7BB8852D-2755-4710-9DEE-B7A342A8A82C}" presName="rootConnector1" presStyleLbl="node1" presStyleIdx="0" presStyleCnt="0"/>
       <dgm:spPr/>
+      <dgm:t>
+        <a:bodyPr/>
+        <a:lstStyle/>
+        <a:p>
+          <a:endParaRPr lang="en-US"/>
+        </a:p>
+      </dgm:t>
     </dgm:pt>
     <dgm:pt modelId="{F3D5372D-1BFE-436B-9C04-9D18F1C66078}" type="pres">
       <dgm:prSet presAssocID="{7BB8852D-2755-4710-9DEE-B7A342A8A82C}" presName="hierChild2" presStyleCnt="0"/>
@@ -2068,6 +2087,13 @@
     <dgm:pt modelId="{39C1B544-537D-428B-A19F-C154507ADF3A}" type="pres">
       <dgm:prSet presAssocID="{155248E2-EC9E-4F63-B179-6F9562ADA2EA}" presName="Name37" presStyleLbl="parChTrans1D2" presStyleIdx="0" presStyleCnt="12"/>
       <dgm:spPr/>
+      <dgm:t>
+        <a:bodyPr/>
+        <a:lstStyle/>
+        <a:p>
+          <a:endParaRPr lang="en-US"/>
+        </a:p>
+      </dgm:t>
     </dgm:pt>
     <dgm:pt modelId="{6F705F4C-7FC8-4335-A0F3-61F2CEAB05DB}" type="pres">
       <dgm:prSet presAssocID="{3C1B4A72-EF28-4883-9370-8A1086EDFAF0}" presName="hierRoot2" presStyleCnt="0">
@@ -2088,10 +2114,24 @@
         </dgm:presLayoutVars>
       </dgm:prSet>
       <dgm:spPr/>
+      <dgm:t>
+        <a:bodyPr/>
+        <a:lstStyle/>
+        <a:p>
+          <a:endParaRPr lang="en-US"/>
+        </a:p>
+      </dgm:t>
     </dgm:pt>
     <dgm:pt modelId="{0432ACFE-3DD3-4186-918C-7256743120EA}" type="pres">
       <dgm:prSet presAssocID="{3C1B4A72-EF28-4883-9370-8A1086EDFAF0}" presName="rootConnector" presStyleLbl="node2" presStyleIdx="0" presStyleCnt="12"/>
       <dgm:spPr/>
+      <dgm:t>
+        <a:bodyPr/>
+        <a:lstStyle/>
+        <a:p>
+          <a:endParaRPr lang="en-US"/>
+        </a:p>
+      </dgm:t>
     </dgm:pt>
     <dgm:pt modelId="{41004702-FC8F-49EE-835B-96BF43C2B05E}" type="pres">
       <dgm:prSet presAssocID="{3C1B4A72-EF28-4883-9370-8A1086EDFAF0}" presName="hierChild4" presStyleCnt="0"/>
@@ -2100,6 +2140,13 @@
     <dgm:pt modelId="{F1C963BD-3913-480F-B2ED-C5B1402EBB11}" type="pres">
       <dgm:prSet presAssocID="{9AF4097C-D073-442B-B190-6BF268357CE9}" presName="Name37" presStyleLbl="parChTrans1D3" presStyleIdx="0" presStyleCnt="14"/>
       <dgm:spPr/>
+      <dgm:t>
+        <a:bodyPr/>
+        <a:lstStyle/>
+        <a:p>
+          <a:endParaRPr lang="en-US"/>
+        </a:p>
+      </dgm:t>
     </dgm:pt>
     <dgm:pt modelId="{5544137C-443A-4C67-90A4-0EED1A59E44C}" type="pres">
       <dgm:prSet presAssocID="{3AEEAA1A-3B28-4A16-8A9A-D0DE5A82B166}" presName="hierRoot2" presStyleCnt="0">
@@ -2131,6 +2178,13 @@
     <dgm:pt modelId="{9063A503-13FA-4933-AFBF-8FD374C9BCD1}" type="pres">
       <dgm:prSet presAssocID="{3AEEAA1A-3B28-4A16-8A9A-D0DE5A82B166}" presName="rootConnector" presStyleLbl="node3" presStyleIdx="0" presStyleCnt="14"/>
       <dgm:spPr/>
+      <dgm:t>
+        <a:bodyPr/>
+        <a:lstStyle/>
+        <a:p>
+          <a:endParaRPr lang="en-US"/>
+        </a:p>
+      </dgm:t>
     </dgm:pt>
     <dgm:pt modelId="{11892C54-ED65-41BA-926B-FD8329A392FD}" type="pres">
       <dgm:prSet presAssocID="{3AEEAA1A-3B28-4A16-8A9A-D0DE5A82B166}" presName="hierChild4" presStyleCnt="0"/>
@@ -2143,6 +2197,13 @@
     <dgm:pt modelId="{F5ABD849-88A6-443C-87C0-CEDBC04AEB70}" type="pres">
       <dgm:prSet presAssocID="{CDBDCC4E-4E59-4CDD-A3FC-9EC34E0BC29A}" presName="Name37" presStyleLbl="parChTrans1D3" presStyleIdx="1" presStyleCnt="14"/>
       <dgm:spPr/>
+      <dgm:t>
+        <a:bodyPr/>
+        <a:lstStyle/>
+        <a:p>
+          <a:endParaRPr lang="en-US"/>
+        </a:p>
+      </dgm:t>
     </dgm:pt>
     <dgm:pt modelId="{F2C8931F-DC18-4D88-BC5B-8CE544B2A535}" type="pres">
       <dgm:prSet presAssocID="{476A33DC-8395-4192-A862-00BED4F39966}" presName="hierRoot2" presStyleCnt="0">
@@ -2163,10 +2224,24 @@
         </dgm:presLayoutVars>
       </dgm:prSet>
       <dgm:spPr/>
+      <dgm:t>
+        <a:bodyPr/>
+        <a:lstStyle/>
+        <a:p>
+          <a:endParaRPr lang="en-US"/>
+        </a:p>
+      </dgm:t>
     </dgm:pt>
     <dgm:pt modelId="{6BB480BA-55AA-45F5-9E5C-D8A0DCF3072A}" type="pres">
       <dgm:prSet presAssocID="{476A33DC-8395-4192-A862-00BED4F39966}" presName="rootConnector" presStyleLbl="node3" presStyleIdx="1" presStyleCnt="14"/>
       <dgm:spPr/>
+      <dgm:t>
+        <a:bodyPr/>
+        <a:lstStyle/>
+        <a:p>
+          <a:endParaRPr lang="en-US"/>
+        </a:p>
+      </dgm:t>
     </dgm:pt>
     <dgm:pt modelId="{AE2E9D51-551D-422B-B49A-5670B5B6608F}" type="pres">
       <dgm:prSet presAssocID="{476A33DC-8395-4192-A862-00BED4F39966}" presName="hierChild4" presStyleCnt="0"/>
@@ -2179,6 +2254,13 @@
     <dgm:pt modelId="{3A933757-B76B-46F6-9164-2BE18F8324FF}" type="pres">
       <dgm:prSet presAssocID="{0365D7AD-34EC-4B2E-887C-7BC8F603B577}" presName="Name37" presStyleLbl="parChTrans1D3" presStyleIdx="2" presStyleCnt="14"/>
       <dgm:spPr/>
+      <dgm:t>
+        <a:bodyPr/>
+        <a:lstStyle/>
+        <a:p>
+          <a:endParaRPr lang="en-US"/>
+        </a:p>
+      </dgm:t>
     </dgm:pt>
     <dgm:pt modelId="{2C628820-A381-4F29-9AFE-C83CA69B94BB}" type="pres">
       <dgm:prSet presAssocID="{D61E5DF2-F543-4643-9411-969B11303A79}" presName="hierRoot2" presStyleCnt="0">
@@ -2210,6 +2292,13 @@
     <dgm:pt modelId="{08C0BCDF-ADCA-40D2-BF61-6CF33971BAC8}" type="pres">
       <dgm:prSet presAssocID="{D61E5DF2-F543-4643-9411-969B11303A79}" presName="rootConnector" presStyleLbl="node3" presStyleIdx="2" presStyleCnt="14"/>
       <dgm:spPr/>
+      <dgm:t>
+        <a:bodyPr/>
+        <a:lstStyle/>
+        <a:p>
+          <a:endParaRPr lang="en-US"/>
+        </a:p>
+      </dgm:t>
     </dgm:pt>
     <dgm:pt modelId="{35693EF0-EFD1-4B21-BD96-5C806C355CDF}" type="pres">
       <dgm:prSet presAssocID="{D61E5DF2-F543-4643-9411-969B11303A79}" presName="hierChild4" presStyleCnt="0"/>
@@ -2226,6 +2315,13 @@
     <dgm:pt modelId="{19B735BA-90D7-4B49-A351-FB28E52F1949}" type="pres">
       <dgm:prSet presAssocID="{CA2E66B7-77CF-4FAE-B593-834D227A1506}" presName="Name37" presStyleLbl="parChTrans1D2" presStyleIdx="1" presStyleCnt="12"/>
       <dgm:spPr/>
+      <dgm:t>
+        <a:bodyPr/>
+        <a:lstStyle/>
+        <a:p>
+          <a:endParaRPr lang="en-US"/>
+        </a:p>
+      </dgm:t>
     </dgm:pt>
     <dgm:pt modelId="{AD6FCB37-E3E8-4408-AB53-855DF66446B9}" type="pres">
       <dgm:prSet presAssocID="{9DBA268C-D5F9-4EAF-B633-9BCF0B6BF7EE}" presName="hierRoot2" presStyleCnt="0">
@@ -2257,6 +2353,13 @@
     <dgm:pt modelId="{4C123197-3A22-487E-91C2-6C38703B67A7}" type="pres">
       <dgm:prSet presAssocID="{9DBA268C-D5F9-4EAF-B633-9BCF0B6BF7EE}" presName="rootConnector" presStyleLbl="node2" presStyleIdx="1" presStyleCnt="12"/>
       <dgm:spPr/>
+      <dgm:t>
+        <a:bodyPr/>
+        <a:lstStyle/>
+        <a:p>
+          <a:endParaRPr lang="en-US"/>
+        </a:p>
+      </dgm:t>
     </dgm:pt>
     <dgm:pt modelId="{F092B971-2A68-4FA5-A236-596B2AC46BA5}" type="pres">
       <dgm:prSet presAssocID="{9DBA268C-D5F9-4EAF-B633-9BCF0B6BF7EE}" presName="hierChild4" presStyleCnt="0"/>
@@ -2265,6 +2368,13 @@
     <dgm:pt modelId="{1B462DEF-0F80-4E30-80F2-21C3CAEE2A4D}" type="pres">
       <dgm:prSet presAssocID="{74EF566F-0D9D-49D2-A5EC-6398BD4DF170}" presName="Name37" presStyleLbl="parChTrans1D3" presStyleIdx="3" presStyleCnt="14"/>
       <dgm:spPr/>
+      <dgm:t>
+        <a:bodyPr/>
+        <a:lstStyle/>
+        <a:p>
+          <a:endParaRPr lang="en-US"/>
+        </a:p>
+      </dgm:t>
     </dgm:pt>
     <dgm:pt modelId="{09932704-B333-44A9-ACA0-7B53C970BED6}" type="pres">
       <dgm:prSet presAssocID="{8E1FAF8F-546E-4D2A-8077-90F00BEC9BE0}" presName="hierRoot2" presStyleCnt="0">
@@ -2285,10 +2395,24 @@
         </dgm:presLayoutVars>
       </dgm:prSet>
       <dgm:spPr/>
+      <dgm:t>
+        <a:bodyPr/>
+        <a:lstStyle/>
+        <a:p>
+          <a:endParaRPr lang="en-US"/>
+        </a:p>
+      </dgm:t>
     </dgm:pt>
     <dgm:pt modelId="{06A210C9-DE45-4D5D-858B-0ED6C11F2451}" type="pres">
       <dgm:prSet presAssocID="{8E1FAF8F-546E-4D2A-8077-90F00BEC9BE0}" presName="rootConnector" presStyleLbl="node3" presStyleIdx="3" presStyleCnt="14"/>
       <dgm:spPr/>
+      <dgm:t>
+        <a:bodyPr/>
+        <a:lstStyle/>
+        <a:p>
+          <a:endParaRPr lang="en-US"/>
+        </a:p>
+      </dgm:t>
     </dgm:pt>
     <dgm:pt modelId="{2350A014-1C4B-4FA2-89D3-879C2E524722}" type="pres">
       <dgm:prSet presAssocID="{8E1FAF8F-546E-4D2A-8077-90F00BEC9BE0}" presName="hierChild4" presStyleCnt="0"/>
@@ -2301,6 +2425,13 @@
     <dgm:pt modelId="{3FBAC045-826C-438D-A247-50CB3AC02523}" type="pres">
       <dgm:prSet presAssocID="{D9290EA8-AF11-46EE-BF79-483668F0EC0D}" presName="Name37" presStyleLbl="parChTrans1D3" presStyleIdx="4" presStyleCnt="14"/>
       <dgm:spPr/>
+      <dgm:t>
+        <a:bodyPr/>
+        <a:lstStyle/>
+        <a:p>
+          <a:endParaRPr lang="en-US"/>
+        </a:p>
+      </dgm:t>
     </dgm:pt>
     <dgm:pt modelId="{07D09F90-76EC-49F1-99B8-8E7EA77A7B54}" type="pres">
       <dgm:prSet presAssocID="{4BA273E1-55D2-429E-B243-480B9F7C3BAB}" presName="hierRoot2" presStyleCnt="0">
@@ -2332,6 +2463,13 @@
     <dgm:pt modelId="{EE5B7F4D-4356-48B0-9FF3-F53929F4F837}" type="pres">
       <dgm:prSet presAssocID="{4BA273E1-55D2-429E-B243-480B9F7C3BAB}" presName="rootConnector" presStyleLbl="node3" presStyleIdx="4" presStyleCnt="14"/>
       <dgm:spPr/>
+      <dgm:t>
+        <a:bodyPr/>
+        <a:lstStyle/>
+        <a:p>
+          <a:endParaRPr lang="en-US"/>
+        </a:p>
+      </dgm:t>
     </dgm:pt>
     <dgm:pt modelId="{6575CE85-5584-4C8D-85D7-56E778B03E21}" type="pres">
       <dgm:prSet presAssocID="{4BA273E1-55D2-429E-B243-480B9F7C3BAB}" presName="hierChild4" presStyleCnt="0"/>
@@ -2344,6 +2482,13 @@
     <dgm:pt modelId="{D5B5575C-AFE0-4FA6-BE59-FCDE66E5D51B}" type="pres">
       <dgm:prSet presAssocID="{A2B79AD8-D578-4D14-9DE6-F26791C69CBE}" presName="Name37" presStyleLbl="parChTrans1D3" presStyleIdx="5" presStyleCnt="14"/>
       <dgm:spPr/>
+      <dgm:t>
+        <a:bodyPr/>
+        <a:lstStyle/>
+        <a:p>
+          <a:endParaRPr lang="en-US"/>
+        </a:p>
+      </dgm:t>
     </dgm:pt>
     <dgm:pt modelId="{D702814E-9F2E-4B43-B1F5-F3230D46AFCE}" type="pres">
       <dgm:prSet presAssocID="{76D282C3-09DF-42FF-876C-9110CDBD5CA9}" presName="hierRoot2" presStyleCnt="0">
@@ -2364,10 +2509,24 @@
         </dgm:presLayoutVars>
       </dgm:prSet>
       <dgm:spPr/>
+      <dgm:t>
+        <a:bodyPr/>
+        <a:lstStyle/>
+        <a:p>
+          <a:endParaRPr lang="en-US"/>
+        </a:p>
+      </dgm:t>
     </dgm:pt>
     <dgm:pt modelId="{87D6B759-B8A6-4378-A904-E1BE7FC9ABAA}" type="pres">
       <dgm:prSet presAssocID="{76D282C3-09DF-42FF-876C-9110CDBD5CA9}" presName="rootConnector" presStyleLbl="node3" presStyleIdx="5" presStyleCnt="14"/>
       <dgm:spPr/>
+      <dgm:t>
+        <a:bodyPr/>
+        <a:lstStyle/>
+        <a:p>
+          <a:endParaRPr lang="en-US"/>
+        </a:p>
+      </dgm:t>
     </dgm:pt>
     <dgm:pt modelId="{5D45A3B1-640D-42B6-B8F0-6E251A980DEF}" type="pres">
       <dgm:prSet presAssocID="{76D282C3-09DF-42FF-876C-9110CDBD5CA9}" presName="hierChild4" presStyleCnt="0"/>
@@ -2404,10 +2563,24 @@
         </dgm:presLayoutVars>
       </dgm:prSet>
       <dgm:spPr/>
+      <dgm:t>
+        <a:bodyPr/>
+        <a:lstStyle/>
+        <a:p>
+          <a:endParaRPr lang="en-US"/>
+        </a:p>
+      </dgm:t>
     </dgm:pt>
     <dgm:pt modelId="{8125C614-D2B6-4834-9FD1-89C0C773204A}" type="pres">
       <dgm:prSet presAssocID="{B80C6691-4F23-4FB4-AF6D-17D5A0B9C4B6}" presName="rootConnector1" presStyleLbl="node1" presStyleIdx="0" presStyleCnt="0"/>
       <dgm:spPr/>
+      <dgm:t>
+        <a:bodyPr/>
+        <a:lstStyle/>
+        <a:p>
+          <a:endParaRPr lang="en-US"/>
+        </a:p>
+      </dgm:t>
     </dgm:pt>
     <dgm:pt modelId="{B79AF1EB-531F-4F68-9A91-AC5645573035}" type="pres">
       <dgm:prSet presAssocID="{B80C6691-4F23-4FB4-AF6D-17D5A0B9C4B6}" presName="hierChild2" presStyleCnt="0"/>
@@ -2416,6 +2589,13 @@
     <dgm:pt modelId="{F3CCFDFE-42D0-49B2-8320-92B97C7B8AB1}" type="pres">
       <dgm:prSet presAssocID="{1FD3CDA4-19A6-4F61-B41D-3AEB187B087F}" presName="Name37" presStyleLbl="parChTrans1D2" presStyleIdx="2" presStyleCnt="12"/>
       <dgm:spPr/>
+      <dgm:t>
+        <a:bodyPr/>
+        <a:lstStyle/>
+        <a:p>
+          <a:endParaRPr lang="en-US"/>
+        </a:p>
+      </dgm:t>
     </dgm:pt>
     <dgm:pt modelId="{483E1FF8-35A1-49EC-BE54-1F9FF4524A22}" type="pres">
       <dgm:prSet presAssocID="{1720744F-4382-4478-AAE9-0E1D53493946}" presName="hierRoot2" presStyleCnt="0">
@@ -2447,6 +2627,13 @@
     <dgm:pt modelId="{F5516A11-D84E-4EA8-9000-EF6F2F15A8AD}" type="pres">
       <dgm:prSet presAssocID="{1720744F-4382-4478-AAE9-0E1D53493946}" presName="rootConnector" presStyleLbl="node2" presStyleIdx="2" presStyleCnt="12"/>
       <dgm:spPr/>
+      <dgm:t>
+        <a:bodyPr/>
+        <a:lstStyle/>
+        <a:p>
+          <a:endParaRPr lang="en-US"/>
+        </a:p>
+      </dgm:t>
     </dgm:pt>
     <dgm:pt modelId="{B157BCAE-D407-46E3-88C4-3CDB98C9BF3E}" type="pres">
       <dgm:prSet presAssocID="{1720744F-4382-4478-AAE9-0E1D53493946}" presName="hierChild4" presStyleCnt="0"/>
@@ -2455,6 +2642,13 @@
     <dgm:pt modelId="{51D455F9-C8A5-4FD7-BA02-3E6646F041B4}" type="pres">
       <dgm:prSet presAssocID="{C827870F-01D0-46FF-99F2-60FB576D500F}" presName="Name37" presStyleLbl="parChTrans1D3" presStyleIdx="6" presStyleCnt="14"/>
       <dgm:spPr/>
+      <dgm:t>
+        <a:bodyPr/>
+        <a:lstStyle/>
+        <a:p>
+          <a:endParaRPr lang="en-US"/>
+        </a:p>
+      </dgm:t>
     </dgm:pt>
     <dgm:pt modelId="{AC13C4A0-58E8-4456-85A9-F25F1517EA9A}" type="pres">
       <dgm:prSet presAssocID="{FE982AED-8C28-40EF-8C38-0C3B7352C5EF}" presName="hierRoot2" presStyleCnt="0">
@@ -2486,6 +2680,13 @@
     <dgm:pt modelId="{256099D0-1C17-488C-8D1C-6A85D32B3B30}" type="pres">
       <dgm:prSet presAssocID="{FE982AED-8C28-40EF-8C38-0C3B7352C5EF}" presName="rootConnector" presStyleLbl="node3" presStyleIdx="6" presStyleCnt="14"/>
       <dgm:spPr/>
+      <dgm:t>
+        <a:bodyPr/>
+        <a:lstStyle/>
+        <a:p>
+          <a:endParaRPr lang="en-US"/>
+        </a:p>
+      </dgm:t>
     </dgm:pt>
     <dgm:pt modelId="{19AE3F6D-FFAD-40FF-8F79-A11DA0C8A9C5}" type="pres">
       <dgm:prSet presAssocID="{FE982AED-8C28-40EF-8C38-0C3B7352C5EF}" presName="hierChild4" presStyleCnt="0"/>
@@ -2502,6 +2703,13 @@
     <dgm:pt modelId="{30A1C94E-4BFE-4C25-8675-4F2B84C4C906}" type="pres">
       <dgm:prSet presAssocID="{E2FC485E-BA7F-4129-98C7-6157E2E72073}" presName="Name37" presStyleLbl="parChTrans1D2" presStyleIdx="3" presStyleCnt="12"/>
       <dgm:spPr/>
+      <dgm:t>
+        <a:bodyPr/>
+        <a:lstStyle/>
+        <a:p>
+          <a:endParaRPr lang="en-US"/>
+        </a:p>
+      </dgm:t>
     </dgm:pt>
     <dgm:pt modelId="{5A78495C-AD2D-45AE-AD5E-8E3D3744E4BD}" type="pres">
       <dgm:prSet presAssocID="{942ADF55-3694-4D60-BFBF-80C58DDCDDD1}" presName="hierRoot2" presStyleCnt="0">
@@ -2533,6 +2741,13 @@
     <dgm:pt modelId="{87E3F7F7-2616-44C8-A3A5-ACD32CB032DA}" type="pres">
       <dgm:prSet presAssocID="{942ADF55-3694-4D60-BFBF-80C58DDCDDD1}" presName="rootConnector" presStyleLbl="node2" presStyleIdx="3" presStyleCnt="12"/>
       <dgm:spPr/>
+      <dgm:t>
+        <a:bodyPr/>
+        <a:lstStyle/>
+        <a:p>
+          <a:endParaRPr lang="en-US"/>
+        </a:p>
+      </dgm:t>
     </dgm:pt>
     <dgm:pt modelId="{4089D6B9-08D8-4374-87E9-082204B39E19}" type="pres">
       <dgm:prSet presAssocID="{942ADF55-3694-4D60-BFBF-80C58DDCDDD1}" presName="hierChild4" presStyleCnt="0"/>
@@ -2541,6 +2756,13 @@
     <dgm:pt modelId="{19E9C5C5-520F-4CD1-B07B-0EDF1F688605}" type="pres">
       <dgm:prSet presAssocID="{A99F8EE0-4F03-4192-8232-4731AECFFC7B}" presName="Name37" presStyleLbl="parChTrans1D3" presStyleIdx="7" presStyleCnt="14"/>
       <dgm:spPr/>
+      <dgm:t>
+        <a:bodyPr/>
+        <a:lstStyle/>
+        <a:p>
+          <a:endParaRPr lang="en-US"/>
+        </a:p>
+      </dgm:t>
     </dgm:pt>
     <dgm:pt modelId="{A2CEAFEE-39BD-44DA-8CDD-66A621914AF4}" type="pres">
       <dgm:prSet presAssocID="{70B856C9-5118-4890-A514-089B8A35DCBF}" presName="hierRoot2" presStyleCnt="0">
@@ -2572,6 +2794,13 @@
     <dgm:pt modelId="{6E2AF006-98CA-4CDA-827E-B374FFA24306}" type="pres">
       <dgm:prSet presAssocID="{70B856C9-5118-4890-A514-089B8A35DCBF}" presName="rootConnector" presStyleLbl="node3" presStyleIdx="7" presStyleCnt="14"/>
       <dgm:spPr/>
+      <dgm:t>
+        <a:bodyPr/>
+        <a:lstStyle/>
+        <a:p>
+          <a:endParaRPr lang="en-US"/>
+        </a:p>
+      </dgm:t>
     </dgm:pt>
     <dgm:pt modelId="{DD1B658F-2D9A-479B-AEB9-409363848B13}" type="pres">
       <dgm:prSet presAssocID="{70B856C9-5118-4890-A514-089B8A35DCBF}" presName="hierChild4" presStyleCnt="0"/>
@@ -2588,6 +2817,13 @@
     <dgm:pt modelId="{4BF4DC53-0BB7-4C9D-A366-E99BB121BFAE}" type="pres">
       <dgm:prSet presAssocID="{A0AE9988-D11D-4EA5-B69D-48F761DC9DA2}" presName="Name37" presStyleLbl="parChTrans1D2" presStyleIdx="4" presStyleCnt="12"/>
       <dgm:spPr/>
+      <dgm:t>
+        <a:bodyPr/>
+        <a:lstStyle/>
+        <a:p>
+          <a:endParaRPr lang="en-US"/>
+        </a:p>
+      </dgm:t>
     </dgm:pt>
     <dgm:pt modelId="{571CD975-2BC0-4A88-998F-36BD6DCB5CE0}" type="pres">
       <dgm:prSet presAssocID="{8E79FA02-CE87-4352-A0E0-7C9F6278E591}" presName="hierRoot2" presStyleCnt="0">
@@ -2608,10 +2844,24 @@
         </dgm:presLayoutVars>
       </dgm:prSet>
       <dgm:spPr/>
+      <dgm:t>
+        <a:bodyPr/>
+        <a:lstStyle/>
+        <a:p>
+          <a:endParaRPr lang="en-US"/>
+        </a:p>
+      </dgm:t>
     </dgm:pt>
     <dgm:pt modelId="{8718BBFD-3246-44B6-8513-CF81C1000281}" type="pres">
       <dgm:prSet presAssocID="{8E79FA02-CE87-4352-A0E0-7C9F6278E591}" presName="rootConnector" presStyleLbl="node2" presStyleIdx="4" presStyleCnt="12"/>
       <dgm:spPr/>
+      <dgm:t>
+        <a:bodyPr/>
+        <a:lstStyle/>
+        <a:p>
+          <a:endParaRPr lang="en-US"/>
+        </a:p>
+      </dgm:t>
     </dgm:pt>
     <dgm:pt modelId="{230F71B3-43D9-49DE-8A90-299788175534}" type="pres">
       <dgm:prSet presAssocID="{8E79FA02-CE87-4352-A0E0-7C9F6278E591}" presName="hierChild4" presStyleCnt="0"/>
@@ -2644,10 +2894,24 @@
         </dgm:presLayoutVars>
       </dgm:prSet>
       <dgm:spPr/>
+      <dgm:t>
+        <a:bodyPr/>
+        <a:lstStyle/>
+        <a:p>
+          <a:endParaRPr lang="en-US"/>
+        </a:p>
+      </dgm:t>
     </dgm:pt>
     <dgm:pt modelId="{7AFA3983-2F29-42AC-86A1-E93FAF43D69D}" type="pres">
       <dgm:prSet presAssocID="{FB2C8EB1-CB6F-4412-BEF1-314168147249}" presName="rootConnector1" presStyleLbl="node1" presStyleIdx="0" presStyleCnt="0"/>
       <dgm:spPr/>
+      <dgm:t>
+        <a:bodyPr/>
+        <a:lstStyle/>
+        <a:p>
+          <a:endParaRPr lang="en-US"/>
+        </a:p>
+      </dgm:t>
     </dgm:pt>
     <dgm:pt modelId="{6AD51C6A-3D03-4534-B2C2-F773243431BD}" type="pres">
       <dgm:prSet presAssocID="{FB2C8EB1-CB6F-4412-BEF1-314168147249}" presName="hierChild2" presStyleCnt="0"/>
@@ -2656,6 +2920,13 @@
     <dgm:pt modelId="{FAC1D521-F643-40F3-B328-5FECCAF51388}" type="pres">
       <dgm:prSet presAssocID="{A766E0BC-EEC4-4659-B16B-0AFBDC56FCE7}" presName="Name37" presStyleLbl="parChTrans1D2" presStyleIdx="5" presStyleCnt="12"/>
       <dgm:spPr/>
+      <dgm:t>
+        <a:bodyPr/>
+        <a:lstStyle/>
+        <a:p>
+          <a:endParaRPr lang="en-US"/>
+        </a:p>
+      </dgm:t>
     </dgm:pt>
     <dgm:pt modelId="{4328F922-75F0-435B-B5E3-0B1FEC8DFC16}" type="pres">
       <dgm:prSet presAssocID="{8B4763F0-210C-4672-B39A-3E4622F029D7}" presName="hierRoot2" presStyleCnt="0">
@@ -2676,10 +2947,24 @@
         </dgm:presLayoutVars>
       </dgm:prSet>
       <dgm:spPr/>
+      <dgm:t>
+        <a:bodyPr/>
+        <a:lstStyle/>
+        <a:p>
+          <a:endParaRPr lang="en-US"/>
+        </a:p>
+      </dgm:t>
     </dgm:pt>
     <dgm:pt modelId="{EC8F8E69-B8C0-4063-8C8E-3E2AC7633815}" type="pres">
       <dgm:prSet presAssocID="{8B4763F0-210C-4672-B39A-3E4622F029D7}" presName="rootConnector" presStyleLbl="node2" presStyleIdx="5" presStyleCnt="12"/>
       <dgm:spPr/>
+      <dgm:t>
+        <a:bodyPr/>
+        <a:lstStyle/>
+        <a:p>
+          <a:endParaRPr lang="en-US"/>
+        </a:p>
+      </dgm:t>
     </dgm:pt>
     <dgm:pt modelId="{542FCE0D-314C-459B-B4CC-00710ECA8BD7}" type="pres">
       <dgm:prSet presAssocID="{8B4763F0-210C-4672-B39A-3E4622F029D7}" presName="hierChild4" presStyleCnt="0"/>
@@ -2688,6 +2973,13 @@
     <dgm:pt modelId="{F9496AB9-9F8B-467F-84D9-620D80310A98}" type="pres">
       <dgm:prSet presAssocID="{2A3EDE91-FC3B-4BD9-9787-59584AAC3615}" presName="Name37" presStyleLbl="parChTrans1D3" presStyleIdx="8" presStyleCnt="14"/>
       <dgm:spPr/>
+      <dgm:t>
+        <a:bodyPr/>
+        <a:lstStyle/>
+        <a:p>
+          <a:endParaRPr lang="en-US"/>
+        </a:p>
+      </dgm:t>
     </dgm:pt>
     <dgm:pt modelId="{676C1CBF-3133-413D-8157-C9FB70804DFF}" type="pres">
       <dgm:prSet presAssocID="{88908692-42B2-4D6D-AC03-6504272A5559}" presName="hierRoot2" presStyleCnt="0">
@@ -2719,6 +3011,13 @@
     <dgm:pt modelId="{A01734A2-6019-4D4C-ADDB-D4842BB06F2C}" type="pres">
       <dgm:prSet presAssocID="{88908692-42B2-4D6D-AC03-6504272A5559}" presName="rootConnector" presStyleLbl="node3" presStyleIdx="8" presStyleCnt="14"/>
       <dgm:spPr/>
+      <dgm:t>
+        <a:bodyPr/>
+        <a:lstStyle/>
+        <a:p>
+          <a:endParaRPr lang="en-US"/>
+        </a:p>
+      </dgm:t>
     </dgm:pt>
     <dgm:pt modelId="{1912CB27-086C-4A78-A0E7-113F816A10A9}" type="pres">
       <dgm:prSet presAssocID="{88908692-42B2-4D6D-AC03-6504272A5559}" presName="hierChild4" presStyleCnt="0"/>
@@ -2735,6 +3034,13 @@
     <dgm:pt modelId="{B3EA6DF9-BB5F-48E5-BBEE-80C90AC0CC8E}" type="pres">
       <dgm:prSet presAssocID="{5B6DEC38-4059-424E-A0BE-B7ED5B9C6505}" presName="Name37" presStyleLbl="parChTrans1D2" presStyleIdx="6" presStyleCnt="12"/>
       <dgm:spPr/>
+      <dgm:t>
+        <a:bodyPr/>
+        <a:lstStyle/>
+        <a:p>
+          <a:endParaRPr lang="en-US"/>
+        </a:p>
+      </dgm:t>
     </dgm:pt>
     <dgm:pt modelId="{BFD25168-2C8D-459E-A914-709926A8E8BC}" type="pres">
       <dgm:prSet presAssocID="{CB436E6A-CC80-4E7D-9304-D7BAF2199FD9}" presName="hierRoot2" presStyleCnt="0">
@@ -2755,10 +3061,24 @@
         </dgm:presLayoutVars>
       </dgm:prSet>
       <dgm:spPr/>
+      <dgm:t>
+        <a:bodyPr/>
+        <a:lstStyle/>
+        <a:p>
+          <a:endParaRPr lang="en-US"/>
+        </a:p>
+      </dgm:t>
     </dgm:pt>
     <dgm:pt modelId="{99283DBC-26D2-477E-8D54-DC7E9E5E26C4}" type="pres">
       <dgm:prSet presAssocID="{CB436E6A-CC80-4E7D-9304-D7BAF2199FD9}" presName="rootConnector" presStyleLbl="node2" presStyleIdx="6" presStyleCnt="12"/>
       <dgm:spPr/>
+      <dgm:t>
+        <a:bodyPr/>
+        <a:lstStyle/>
+        <a:p>
+          <a:endParaRPr lang="en-US"/>
+        </a:p>
+      </dgm:t>
     </dgm:pt>
     <dgm:pt modelId="{D47F62C6-869B-454C-A485-1ED37D438A60}" type="pres">
       <dgm:prSet presAssocID="{CB436E6A-CC80-4E7D-9304-D7BAF2199FD9}" presName="hierChild4" presStyleCnt="0"/>
@@ -2767,6 +3087,13 @@
     <dgm:pt modelId="{7298089F-12EB-4469-8DEB-CBCD51B9E33A}" type="pres">
       <dgm:prSet presAssocID="{DBCB6949-7770-4873-AFC1-D55D1904FF96}" presName="Name37" presStyleLbl="parChTrans1D3" presStyleIdx="9" presStyleCnt="14"/>
       <dgm:spPr/>
+      <dgm:t>
+        <a:bodyPr/>
+        <a:lstStyle/>
+        <a:p>
+          <a:endParaRPr lang="en-US"/>
+        </a:p>
+      </dgm:t>
     </dgm:pt>
     <dgm:pt modelId="{100A6249-A0A9-4559-8E19-DAD4B70DF64A}" type="pres">
       <dgm:prSet presAssocID="{DCD8C858-9B9A-44FD-A4AC-9ED0580FEC20}" presName="hierRoot2" presStyleCnt="0">
@@ -2798,6 +3125,13 @@
     <dgm:pt modelId="{42F85AA7-DD2B-4A4C-91A3-8DAFE1D1C1B0}" type="pres">
       <dgm:prSet presAssocID="{DCD8C858-9B9A-44FD-A4AC-9ED0580FEC20}" presName="rootConnector" presStyleLbl="node3" presStyleIdx="9" presStyleCnt="14"/>
       <dgm:spPr/>
+      <dgm:t>
+        <a:bodyPr/>
+        <a:lstStyle/>
+        <a:p>
+          <a:endParaRPr lang="en-US"/>
+        </a:p>
+      </dgm:t>
     </dgm:pt>
     <dgm:pt modelId="{6F4DB97C-7552-4C28-BD85-BF947E5E949C}" type="pres">
       <dgm:prSet presAssocID="{DCD8C858-9B9A-44FD-A4AC-9ED0580FEC20}" presName="hierChild4" presStyleCnt="0"/>
@@ -2845,6 +3179,13 @@
     <dgm:pt modelId="{13629B2E-94D7-40FC-95D9-D57F2BD4C02E}" type="pres">
       <dgm:prSet presAssocID="{CABB8A94-0267-4E91-8838-013C8B830ACE}" presName="rootConnector1" presStyleLbl="node1" presStyleIdx="0" presStyleCnt="0"/>
       <dgm:spPr/>
+      <dgm:t>
+        <a:bodyPr/>
+        <a:lstStyle/>
+        <a:p>
+          <a:endParaRPr lang="en-US"/>
+        </a:p>
+      </dgm:t>
     </dgm:pt>
     <dgm:pt modelId="{8F9235EB-866E-4D69-8F12-17D81B287142}" type="pres">
       <dgm:prSet presAssocID="{CABB8A94-0267-4E91-8838-013C8B830ACE}" presName="hierChild2" presStyleCnt="0"/>
@@ -2853,6 +3194,13 @@
     <dgm:pt modelId="{C21F148F-D896-4965-B496-694BC02C44D3}" type="pres">
       <dgm:prSet presAssocID="{E54A8EC9-F873-4966-9403-650C0F22BA87}" presName="Name37" presStyleLbl="parChTrans1D2" presStyleIdx="7" presStyleCnt="12"/>
       <dgm:spPr/>
+      <dgm:t>
+        <a:bodyPr/>
+        <a:lstStyle/>
+        <a:p>
+          <a:endParaRPr lang="en-US"/>
+        </a:p>
+      </dgm:t>
     </dgm:pt>
     <dgm:pt modelId="{1D5DBF9B-DE1A-4D4A-8722-D2993C6A575F}" type="pres">
       <dgm:prSet presAssocID="{24491B45-45FA-4462-B11F-1DB28724C23F}" presName="hierRoot2" presStyleCnt="0">
@@ -2884,6 +3232,13 @@
     <dgm:pt modelId="{F08BF0BC-02CD-4F9F-954F-FB1930D6914D}" type="pres">
       <dgm:prSet presAssocID="{24491B45-45FA-4462-B11F-1DB28724C23F}" presName="rootConnector" presStyleLbl="node2" presStyleIdx="7" presStyleCnt="12"/>
       <dgm:spPr/>
+      <dgm:t>
+        <a:bodyPr/>
+        <a:lstStyle/>
+        <a:p>
+          <a:endParaRPr lang="en-US"/>
+        </a:p>
+      </dgm:t>
     </dgm:pt>
     <dgm:pt modelId="{BA62A774-3D88-4BA6-830E-B53CF43A4A2B}" type="pres">
       <dgm:prSet presAssocID="{24491B45-45FA-4462-B11F-1DB28724C23F}" presName="hierChild4" presStyleCnt="0"/>
@@ -2892,6 +3247,13 @@
     <dgm:pt modelId="{F3A47C40-4558-4EF1-9579-064A9F0A65FA}" type="pres">
       <dgm:prSet presAssocID="{0E958CAC-C884-4B5F-A64C-FC94F3F6EA6F}" presName="Name37" presStyleLbl="parChTrans1D3" presStyleIdx="10" presStyleCnt="14"/>
       <dgm:spPr/>
+      <dgm:t>
+        <a:bodyPr/>
+        <a:lstStyle/>
+        <a:p>
+          <a:endParaRPr lang="en-US"/>
+        </a:p>
+      </dgm:t>
     </dgm:pt>
     <dgm:pt modelId="{DD7A6625-05CA-4A4A-9C44-459BFE648577}" type="pres">
       <dgm:prSet presAssocID="{849A77B8-137B-4E7B-B4F7-AD9789807FF7}" presName="hierRoot2" presStyleCnt="0">
@@ -2923,6 +3285,13 @@
     <dgm:pt modelId="{7F3F4901-00C6-43DC-9A9D-EBB48BDA164C}" type="pres">
       <dgm:prSet presAssocID="{849A77B8-137B-4E7B-B4F7-AD9789807FF7}" presName="rootConnector" presStyleLbl="node3" presStyleIdx="10" presStyleCnt="14"/>
       <dgm:spPr/>
+      <dgm:t>
+        <a:bodyPr/>
+        <a:lstStyle/>
+        <a:p>
+          <a:endParaRPr lang="en-US"/>
+        </a:p>
+      </dgm:t>
     </dgm:pt>
     <dgm:pt modelId="{6D778E9F-DB74-4193-AA4E-EE225FA6CBF6}" type="pres">
       <dgm:prSet presAssocID="{849A77B8-137B-4E7B-B4F7-AD9789807FF7}" presName="hierChild4" presStyleCnt="0"/>
@@ -2939,6 +3308,13 @@
     <dgm:pt modelId="{D68E5098-4A0C-4F47-96DD-B0967E9CDF38}" type="pres">
       <dgm:prSet presAssocID="{54EB987C-FFB4-4193-8571-C3573E8F5B42}" presName="Name37" presStyleLbl="parChTrans1D2" presStyleIdx="8" presStyleCnt="12"/>
       <dgm:spPr/>
+      <dgm:t>
+        <a:bodyPr/>
+        <a:lstStyle/>
+        <a:p>
+          <a:endParaRPr lang="en-US"/>
+        </a:p>
+      </dgm:t>
     </dgm:pt>
     <dgm:pt modelId="{CFE5F6AA-E012-40BE-B453-C266936125C5}" type="pres">
       <dgm:prSet presAssocID="{8777AAF5-0206-47D6-9ACC-4B7AB30479E7}" presName="hierRoot2" presStyleCnt="0">
@@ -2959,10 +3335,24 @@
         </dgm:presLayoutVars>
       </dgm:prSet>
       <dgm:spPr/>
+      <dgm:t>
+        <a:bodyPr/>
+        <a:lstStyle/>
+        <a:p>
+          <a:endParaRPr lang="en-US"/>
+        </a:p>
+      </dgm:t>
     </dgm:pt>
     <dgm:pt modelId="{CCCAA59D-4B6E-4AB5-9777-D58C33E3F108}" type="pres">
       <dgm:prSet presAssocID="{8777AAF5-0206-47D6-9ACC-4B7AB30479E7}" presName="rootConnector" presStyleLbl="node2" presStyleIdx="8" presStyleCnt="12"/>
       <dgm:spPr/>
+      <dgm:t>
+        <a:bodyPr/>
+        <a:lstStyle/>
+        <a:p>
+          <a:endParaRPr lang="en-US"/>
+        </a:p>
+      </dgm:t>
     </dgm:pt>
     <dgm:pt modelId="{621D6532-2EA9-41BF-8D04-67B7063E4768}" type="pres">
       <dgm:prSet presAssocID="{8777AAF5-0206-47D6-9ACC-4B7AB30479E7}" presName="hierChild4" presStyleCnt="0"/>
@@ -2971,6 +3361,13 @@
     <dgm:pt modelId="{DD499B64-987B-4EED-B0AD-0B3004859137}" type="pres">
       <dgm:prSet presAssocID="{D8FEE182-F096-414E-839E-C226CDCEDDB1}" presName="Name37" presStyleLbl="parChTrans1D3" presStyleIdx="11" presStyleCnt="14"/>
       <dgm:spPr/>
+      <dgm:t>
+        <a:bodyPr/>
+        <a:lstStyle/>
+        <a:p>
+          <a:endParaRPr lang="en-US"/>
+        </a:p>
+      </dgm:t>
     </dgm:pt>
     <dgm:pt modelId="{39FE9938-98EF-469F-8C8B-5A9A5AE8E74D}" type="pres">
       <dgm:prSet presAssocID="{BF85B8D7-8141-46AF-BC82-54E69992E6AC}" presName="hierRoot2" presStyleCnt="0">
@@ -3002,6 +3399,13 @@
     <dgm:pt modelId="{95DF11D8-EF16-4C1B-971E-A0FD3190EBFD}" type="pres">
       <dgm:prSet presAssocID="{BF85B8D7-8141-46AF-BC82-54E69992E6AC}" presName="rootConnector" presStyleLbl="node3" presStyleIdx="11" presStyleCnt="14"/>
       <dgm:spPr/>
+      <dgm:t>
+        <a:bodyPr/>
+        <a:lstStyle/>
+        <a:p>
+          <a:endParaRPr lang="en-US"/>
+        </a:p>
+      </dgm:t>
     </dgm:pt>
     <dgm:pt modelId="{F4F37A72-8814-4837-A2EB-E68F40A43538}" type="pres">
       <dgm:prSet presAssocID="{BF85B8D7-8141-46AF-BC82-54E69992E6AC}" presName="hierChild4" presStyleCnt="0"/>
@@ -3049,6 +3453,13 @@
     <dgm:pt modelId="{1E895F4D-994E-4163-B0D8-2A2D9897D9AC}" type="pres">
       <dgm:prSet presAssocID="{B8218EDC-C826-4DA8-A63A-6864ECABF000}" presName="rootConnector1" presStyleLbl="node1" presStyleIdx="0" presStyleCnt="0"/>
       <dgm:spPr/>
+      <dgm:t>
+        <a:bodyPr/>
+        <a:lstStyle/>
+        <a:p>
+          <a:endParaRPr lang="en-US"/>
+        </a:p>
+      </dgm:t>
     </dgm:pt>
     <dgm:pt modelId="{14A293A6-43DD-45E6-9603-47DC0B1BEFC9}" type="pres">
       <dgm:prSet presAssocID="{B8218EDC-C826-4DA8-A63A-6864ECABF000}" presName="hierChild2" presStyleCnt="0"/>
@@ -3057,6 +3468,13 @@
     <dgm:pt modelId="{5DCDE9D0-8EF5-4690-AC8B-9BD1174DC573}" type="pres">
       <dgm:prSet presAssocID="{68C78DA4-BA49-449A-961E-F2C73C339937}" presName="Name37" presStyleLbl="parChTrans1D2" presStyleIdx="9" presStyleCnt="12"/>
       <dgm:spPr/>
+      <dgm:t>
+        <a:bodyPr/>
+        <a:lstStyle/>
+        <a:p>
+          <a:endParaRPr lang="en-US"/>
+        </a:p>
+      </dgm:t>
     </dgm:pt>
     <dgm:pt modelId="{51615972-B7F4-44E9-BA49-C0C03E34F5B7}" type="pres">
       <dgm:prSet presAssocID="{0D6454FE-74A4-4481-BFC9-FD522A763574}" presName="hierRoot2" presStyleCnt="0">
@@ -3088,6 +3506,13 @@
     <dgm:pt modelId="{8086D0C1-2208-4C7D-BAA5-2F40853706F9}" type="pres">
       <dgm:prSet presAssocID="{0D6454FE-74A4-4481-BFC9-FD522A763574}" presName="rootConnector" presStyleLbl="node2" presStyleIdx="9" presStyleCnt="12"/>
       <dgm:spPr/>
+      <dgm:t>
+        <a:bodyPr/>
+        <a:lstStyle/>
+        <a:p>
+          <a:endParaRPr lang="en-US"/>
+        </a:p>
+      </dgm:t>
     </dgm:pt>
     <dgm:pt modelId="{F03C9A31-8132-4FE2-87DE-AB496B9E4A4F}" type="pres">
       <dgm:prSet presAssocID="{0D6454FE-74A4-4481-BFC9-FD522A763574}" presName="hierChild4" presStyleCnt="0"/>
@@ -3100,6 +3525,13 @@
     <dgm:pt modelId="{7670893D-F7F1-46C9-AC86-F68D3FD98B71}" type="pres">
       <dgm:prSet presAssocID="{E877F340-05B4-4257-9019-E1032D790792}" presName="Name37" presStyleLbl="parChTrans1D2" presStyleIdx="10" presStyleCnt="12"/>
       <dgm:spPr/>
+      <dgm:t>
+        <a:bodyPr/>
+        <a:lstStyle/>
+        <a:p>
+          <a:endParaRPr lang="en-US"/>
+        </a:p>
+      </dgm:t>
     </dgm:pt>
     <dgm:pt modelId="{F465ABE0-D88A-43F0-934F-81BB9E413060}" type="pres">
       <dgm:prSet presAssocID="{8AE7DD27-6708-42D6-840B-1B2D72D7CA02}" presName="hierRoot2" presStyleCnt="0">
@@ -3131,6 +3563,13 @@
     <dgm:pt modelId="{ECBA9A37-FA34-4CE8-A086-C55CE7F2B42D}" type="pres">
       <dgm:prSet presAssocID="{8AE7DD27-6708-42D6-840B-1B2D72D7CA02}" presName="rootConnector" presStyleLbl="node2" presStyleIdx="10" presStyleCnt="12"/>
       <dgm:spPr/>
+      <dgm:t>
+        <a:bodyPr/>
+        <a:lstStyle/>
+        <a:p>
+          <a:endParaRPr lang="en-US"/>
+        </a:p>
+      </dgm:t>
     </dgm:pt>
     <dgm:pt modelId="{A2DAA92C-D6BE-4ADD-96F5-22746CFAA5B8}" type="pres">
       <dgm:prSet presAssocID="{8AE7DD27-6708-42D6-840B-1B2D72D7CA02}" presName="hierChild4" presStyleCnt="0"/>
@@ -3139,6 +3578,13 @@
     <dgm:pt modelId="{07D60208-EB73-4B54-86D5-3D831D35103D}" type="pres">
       <dgm:prSet presAssocID="{155EE526-F259-4C88-A3F5-1D29BD5D288F}" presName="Name37" presStyleLbl="parChTrans1D3" presStyleIdx="12" presStyleCnt="14"/>
       <dgm:spPr/>
+      <dgm:t>
+        <a:bodyPr/>
+        <a:lstStyle/>
+        <a:p>
+          <a:endParaRPr lang="en-US"/>
+        </a:p>
+      </dgm:t>
     </dgm:pt>
     <dgm:pt modelId="{3170E290-BE8C-4D22-A88B-99171EC8E54F}" type="pres">
       <dgm:prSet presAssocID="{3294D1DB-493C-4200-88C9-838AB3A7E57F}" presName="hierRoot2" presStyleCnt="0">
@@ -3170,6 +3616,13 @@
     <dgm:pt modelId="{2DB2C5DD-FB79-4E65-94B7-95595AC75CCB}" type="pres">
       <dgm:prSet presAssocID="{3294D1DB-493C-4200-88C9-838AB3A7E57F}" presName="rootConnector" presStyleLbl="node3" presStyleIdx="12" presStyleCnt="14"/>
       <dgm:spPr/>
+      <dgm:t>
+        <a:bodyPr/>
+        <a:lstStyle/>
+        <a:p>
+          <a:endParaRPr lang="en-US"/>
+        </a:p>
+      </dgm:t>
     </dgm:pt>
     <dgm:pt modelId="{9268C93F-D46D-46A0-92CA-AB6BA54E48C1}" type="pres">
       <dgm:prSet presAssocID="{3294D1DB-493C-4200-88C9-838AB3A7E57F}" presName="hierChild4" presStyleCnt="0"/>
@@ -3186,6 +3639,13 @@
     <dgm:pt modelId="{3195AE7E-1032-4115-A013-38A96243FF82}" type="pres">
       <dgm:prSet presAssocID="{7016F220-7873-420D-955A-B259FB46AC96}" presName="Name37" presStyleLbl="parChTrans1D2" presStyleIdx="11" presStyleCnt="12"/>
       <dgm:spPr/>
+      <dgm:t>
+        <a:bodyPr/>
+        <a:lstStyle/>
+        <a:p>
+          <a:endParaRPr lang="en-US"/>
+        </a:p>
+      </dgm:t>
     </dgm:pt>
     <dgm:pt modelId="{A878B013-E176-42EE-AF87-517A6CE555B3}" type="pres">
       <dgm:prSet presAssocID="{ADD42267-FEBC-493B-BE1E-C47E1B8DEE73}" presName="hierRoot2" presStyleCnt="0">
@@ -3217,6 +3677,13 @@
     <dgm:pt modelId="{48D09A97-BB1C-4E4C-9454-9E24ED3A5A9F}" type="pres">
       <dgm:prSet presAssocID="{ADD42267-FEBC-493B-BE1E-C47E1B8DEE73}" presName="rootConnector" presStyleLbl="node2" presStyleIdx="11" presStyleCnt="12"/>
       <dgm:spPr/>
+      <dgm:t>
+        <a:bodyPr/>
+        <a:lstStyle/>
+        <a:p>
+          <a:endParaRPr lang="en-US"/>
+        </a:p>
+      </dgm:t>
     </dgm:pt>
     <dgm:pt modelId="{0A118985-49C9-4EFC-9C11-0B56089FA7A4}" type="pres">
       <dgm:prSet presAssocID="{ADD42267-FEBC-493B-BE1E-C47E1B8DEE73}" presName="hierChild4" presStyleCnt="0"/>
@@ -3225,6 +3692,13 @@
     <dgm:pt modelId="{91621252-5D20-4852-A58B-38923E958201}" type="pres">
       <dgm:prSet presAssocID="{0248E262-DF81-437D-9153-D1C1F0C31950}" presName="Name37" presStyleLbl="parChTrans1D3" presStyleIdx="13" presStyleCnt="14"/>
       <dgm:spPr/>
+      <dgm:t>
+        <a:bodyPr/>
+        <a:lstStyle/>
+        <a:p>
+          <a:endParaRPr lang="en-US"/>
+        </a:p>
+      </dgm:t>
     </dgm:pt>
     <dgm:pt modelId="{A210A8A4-8A02-4155-8402-0F237D408CA6}" type="pres">
       <dgm:prSet presAssocID="{33DDA0E7-8DAF-40CB-B8A7-572F024958AE}" presName="hierRoot2" presStyleCnt="0">
@@ -3256,6 +3730,13 @@
     <dgm:pt modelId="{373A2845-013A-4B89-9ED6-940CA42C6587}" type="pres">
       <dgm:prSet presAssocID="{33DDA0E7-8DAF-40CB-B8A7-572F024958AE}" presName="rootConnector" presStyleLbl="node3" presStyleIdx="13" presStyleCnt="14"/>
       <dgm:spPr/>
+      <dgm:t>
+        <a:bodyPr/>
+        <a:lstStyle/>
+        <a:p>
+          <a:endParaRPr lang="en-US"/>
+        </a:p>
+      </dgm:t>
     </dgm:pt>
     <dgm:pt modelId="{0AEE0A54-E91B-410A-8F05-86E457D4FDA7}" type="pres">
       <dgm:prSet presAssocID="{33DDA0E7-8DAF-40CB-B8A7-572F024958AE}" presName="hierChild4" presStyleCnt="0"/>
@@ -3288,8 +3769,8 @@
     <dgm:cxn modelId="{5091716D-C174-431D-B298-17BDE52EF0B4}" type="presOf" srcId="{E54A8EC9-F873-4966-9403-650C0F22BA87}" destId="{C21F148F-D896-4965-B496-694BC02C44D3}" srcOrd="0" destOrd="0" presId="urn:microsoft.com/office/officeart/2005/8/layout/orgChart1"/>
     <dgm:cxn modelId="{54209E72-3A6E-4C76-8670-70CF8AF9A213}" srcId="{7BB8852D-2755-4710-9DEE-B7A342A8A82C}" destId="{9DBA268C-D5F9-4EAF-B633-9BCF0B6BF7EE}" srcOrd="1" destOrd="0" parTransId="{CA2E66B7-77CF-4FAE-B593-834D227A1506}" sibTransId="{D004A9F1-5363-4A56-A4C8-1D5B2417D415}"/>
     <dgm:cxn modelId="{51CCEAF8-6AE1-4E4D-8921-A72AB75888B9}" type="presOf" srcId="{3294D1DB-493C-4200-88C9-838AB3A7E57F}" destId="{2DB2C5DD-FB79-4E65-94B7-95595AC75CCB}" srcOrd="1" destOrd="0" presId="urn:microsoft.com/office/officeart/2005/8/layout/orgChart1"/>
+    <dgm:cxn modelId="{BDB15E1C-ACF7-4CC4-910E-F5D40BA3C0F0}" type="presOf" srcId="{24491B45-45FA-4462-B11F-1DB28724C23F}" destId="{75AC6E99-3397-43F1-B5D5-31E1D3FBF80C}" srcOrd="0" destOrd="0" presId="urn:microsoft.com/office/officeart/2005/8/layout/orgChart1"/>
     <dgm:cxn modelId="{A27B7FBE-F5F3-461C-B5F1-05B18FDB6880}" type="presOf" srcId="{DBCB6949-7770-4873-AFC1-D55D1904FF96}" destId="{7298089F-12EB-4469-8DEB-CBCD51B9E33A}" srcOrd="0" destOrd="0" presId="urn:microsoft.com/office/officeart/2005/8/layout/orgChart1"/>
-    <dgm:cxn modelId="{BDB15E1C-ACF7-4CC4-910E-F5D40BA3C0F0}" type="presOf" srcId="{24491B45-45FA-4462-B11F-1DB28724C23F}" destId="{75AC6E99-3397-43F1-B5D5-31E1D3FBF80C}" srcOrd="0" destOrd="0" presId="urn:microsoft.com/office/officeart/2005/8/layout/orgChart1"/>
     <dgm:cxn modelId="{BA090DBE-C27D-4B00-85D8-3009FF68E3A5}" type="presOf" srcId="{7BB8852D-2755-4710-9DEE-B7A342A8A82C}" destId="{95430698-7E5F-4820-9436-38271A214168}" srcOrd="1" destOrd="0" presId="urn:microsoft.com/office/officeart/2005/8/layout/orgChart1"/>
     <dgm:cxn modelId="{6846CBB6-C10A-4DC4-AEB4-F5EB20ED7EBA}" type="presOf" srcId="{E2FC485E-BA7F-4129-98C7-6157E2E72073}" destId="{30A1C94E-4BFE-4C25-8675-4F2B84C4C906}" srcOrd="0" destOrd="0" presId="urn:microsoft.com/office/officeart/2005/8/layout/orgChart1"/>
     <dgm:cxn modelId="{AE5FF541-EE47-429B-B54D-5486181879AE}" type="presOf" srcId="{FB2C8EB1-CB6F-4412-BEF1-314168147249}" destId="{6CCF951A-0EFA-4706-8D0B-C75BC6A19F4A}" srcOrd="0" destOrd="0" presId="urn:microsoft.com/office/officeart/2005/8/layout/orgChart1"/>
@@ -3300,8 +3781,8 @@
     <dgm:cxn modelId="{7FD5A2EF-02B9-4587-9731-BA93E7E59728}" type="presOf" srcId="{CABB8A94-0267-4E91-8838-013C8B830ACE}" destId="{13629B2E-94D7-40FC-95D9-D57F2BD4C02E}" srcOrd="1" destOrd="0" presId="urn:microsoft.com/office/officeart/2005/8/layout/orgChart1"/>
     <dgm:cxn modelId="{68090B03-1AAB-45AE-8C8B-FA633B6021C4}" type="presOf" srcId="{B8218EDC-C826-4DA8-A63A-6864ECABF000}" destId="{1E895F4D-994E-4163-B0D8-2A2D9897D9AC}" srcOrd="1" destOrd="0" presId="urn:microsoft.com/office/officeart/2005/8/layout/orgChart1"/>
     <dgm:cxn modelId="{2B38B356-427F-4B33-A88E-B597436EB41A}" type="presOf" srcId="{4BA273E1-55D2-429E-B243-480B9F7C3BAB}" destId="{451D06A7-1775-488E-9A50-25053A09F798}" srcOrd="0" destOrd="0" presId="urn:microsoft.com/office/officeart/2005/8/layout/orgChart1"/>
+    <dgm:cxn modelId="{E351F7F5-E609-4B9D-8A97-B63A9A1E1CAA}" srcId="{8777AAF5-0206-47D6-9ACC-4B7AB30479E7}" destId="{BF85B8D7-8141-46AF-BC82-54E69992E6AC}" srcOrd="0" destOrd="0" parTransId="{D8FEE182-F096-414E-839E-C226CDCEDDB1}" sibTransId="{48004716-BCAA-4C77-80FC-A85026832373}"/>
     <dgm:cxn modelId="{374F4AC9-468B-42A3-8022-19EEC4255B0A}" type="presOf" srcId="{E877F340-05B4-4257-9019-E1032D790792}" destId="{7670893D-F7F1-46C9-AC86-F68D3FD98B71}" srcOrd="0" destOrd="0" presId="urn:microsoft.com/office/officeart/2005/8/layout/orgChart1"/>
-    <dgm:cxn modelId="{E351F7F5-E609-4B9D-8A97-B63A9A1E1CAA}" srcId="{8777AAF5-0206-47D6-9ACC-4B7AB30479E7}" destId="{BF85B8D7-8141-46AF-BC82-54E69992E6AC}" srcOrd="0" destOrd="0" parTransId="{D8FEE182-F096-414E-839E-C226CDCEDDB1}" sibTransId="{48004716-BCAA-4C77-80FC-A85026832373}"/>
     <dgm:cxn modelId="{244D3FD5-4499-4748-B64E-DEA24E7A1542}" type="presOf" srcId="{8E1FAF8F-546E-4D2A-8077-90F00BEC9BE0}" destId="{06A210C9-DE45-4D5D-858B-0ED6C11F2451}" srcOrd="1" destOrd="0" presId="urn:microsoft.com/office/officeart/2005/8/layout/orgChart1"/>
     <dgm:cxn modelId="{59021AFD-16EA-4EAC-BAC6-4B9E852BA0EB}" type="presOf" srcId="{B80C6691-4F23-4FB4-AF6D-17D5A0B9C4B6}" destId="{8125C614-D2B6-4834-9FD1-89C0C773204A}" srcOrd="1" destOrd="0" presId="urn:microsoft.com/office/officeart/2005/8/layout/orgChart1"/>
     <dgm:cxn modelId="{F0B4F8F7-7A56-4451-A32A-A71F57AC233D}" type="presOf" srcId="{76D282C3-09DF-42FF-876C-9110CDBD5CA9}" destId="{87D6B759-B8A6-4378-A904-E1BE7FC9ABAA}" srcOrd="1" destOrd="0" presId="urn:microsoft.com/office/officeart/2005/8/layout/orgChart1"/>
@@ -3369,8 +3850,8 @@
     <dgm:cxn modelId="{F01D813A-038B-4590-B46E-82093A9399E2}" type="presOf" srcId="{CA2E66B7-77CF-4FAE-B593-834D227A1506}" destId="{19B735BA-90D7-4B49-A351-FB28E52F1949}" srcOrd="0" destOrd="0" presId="urn:microsoft.com/office/officeart/2005/8/layout/orgChart1"/>
     <dgm:cxn modelId="{F5A5458A-93AA-4215-AA87-B02B24E05B0C}" type="presOf" srcId="{D9290EA8-AF11-46EE-BF79-483668F0EC0D}" destId="{3FBAC045-826C-438D-A247-50CB3AC02523}" srcOrd="0" destOrd="0" presId="urn:microsoft.com/office/officeart/2005/8/layout/orgChart1"/>
     <dgm:cxn modelId="{7B050C7E-4D5B-484E-892B-C4E89EB948D8}" type="presOf" srcId="{BF85B8D7-8141-46AF-BC82-54E69992E6AC}" destId="{DC6DE400-9043-4B1A-B70F-503526094DDF}" srcOrd="0" destOrd="0" presId="urn:microsoft.com/office/officeart/2005/8/layout/orgChart1"/>
+    <dgm:cxn modelId="{24D85C98-CBFB-4E6B-99A8-FF9E41458931}" type="presOf" srcId="{0248E262-DF81-437D-9153-D1C1F0C31950}" destId="{91621252-5D20-4852-A58B-38923E958201}" srcOrd="0" destOrd="0" presId="urn:microsoft.com/office/officeart/2005/8/layout/orgChart1"/>
     <dgm:cxn modelId="{9F91EC20-30DB-42A7-8DA8-1DB11EB363AF}" type="presOf" srcId="{FB2C8EB1-CB6F-4412-BEF1-314168147249}" destId="{7AFA3983-2F29-42AC-86A1-E93FAF43D69D}" srcOrd="1" destOrd="0" presId="urn:microsoft.com/office/officeart/2005/8/layout/orgChart1"/>
-    <dgm:cxn modelId="{24D85C98-CBFB-4E6B-99A8-FF9E41458931}" type="presOf" srcId="{0248E262-DF81-437D-9153-D1C1F0C31950}" destId="{91621252-5D20-4852-A58B-38923E958201}" srcOrd="0" destOrd="0" presId="urn:microsoft.com/office/officeart/2005/8/layout/orgChart1"/>
     <dgm:cxn modelId="{C1192CB2-E49F-4FB7-A94F-360300E0F7F3}" srcId="{B8218EDC-C826-4DA8-A63A-6864ECABF000}" destId="{0D6454FE-74A4-4481-BFC9-FD522A763574}" srcOrd="0" destOrd="0" parTransId="{68C78DA4-BA49-449A-961E-F2C73C339937}" sibTransId="{A4B3D206-5422-431C-8F8E-5F6045F8575A}"/>
     <dgm:cxn modelId="{D142E92F-ACCA-4864-B7AB-08EB1D43A86E}" srcId="{3C1B4A72-EF28-4883-9370-8A1086EDFAF0}" destId="{D61E5DF2-F543-4643-9411-969B11303A79}" srcOrd="2" destOrd="0" parTransId="{0365D7AD-34EC-4B2E-887C-7BC8F603B577}" sibTransId="{B6D76E82-778F-4D3E-8B6E-86AEB82049EF}"/>
     <dgm:cxn modelId="{34BA9F24-FD8E-4D82-81E5-8D543AD5017C}" type="presOf" srcId="{74EF566F-0D9D-49D2-A5EC-6398BD4DF170}" destId="{1B462DEF-0F80-4E30-80F2-21C3CAEE2A4D}" srcOrd="0" destOrd="0" presId="urn:microsoft.com/office/officeart/2005/8/layout/orgChart1"/>
@@ -9917,7 +10398,7 @@
           <a:p>
             <a:fld id="{E90D3179-7F71-41F5-BB22-F3BCFE62F206}" type="datetimeFigureOut">
               <a:rPr lang="en-CA" smtClean="0"/>
-              <a:t>2018-08-28</a:t>
+              <a:t>2018-08-30</a:t>
             </a:fld>
             <a:endParaRPr lang="en-CA"/>
           </a:p>
@@ -10087,7 +10568,7 @@
           <a:p>
             <a:fld id="{E90D3179-7F71-41F5-BB22-F3BCFE62F206}" type="datetimeFigureOut">
               <a:rPr lang="en-CA" smtClean="0"/>
-              <a:t>2018-08-28</a:t>
+              <a:t>2018-08-30</a:t>
             </a:fld>
             <a:endParaRPr lang="en-CA"/>
           </a:p>
@@ -10267,7 +10748,7 @@
           <a:p>
             <a:fld id="{E90D3179-7F71-41F5-BB22-F3BCFE62F206}" type="datetimeFigureOut">
               <a:rPr lang="en-CA" smtClean="0"/>
-              <a:t>2018-08-28</a:t>
+              <a:t>2018-08-30</a:t>
             </a:fld>
             <a:endParaRPr lang="en-CA"/>
           </a:p>
@@ -10437,7 +10918,7 @@
           <a:p>
             <a:fld id="{E90D3179-7F71-41F5-BB22-F3BCFE62F206}" type="datetimeFigureOut">
               <a:rPr lang="en-CA" smtClean="0"/>
-              <a:t>2018-08-28</a:t>
+              <a:t>2018-08-30</a:t>
             </a:fld>
             <a:endParaRPr lang="en-CA"/>
           </a:p>
@@ -10683,7 +11164,7 @@
           <a:p>
             <a:fld id="{E90D3179-7F71-41F5-BB22-F3BCFE62F206}" type="datetimeFigureOut">
               <a:rPr lang="en-CA" smtClean="0"/>
-              <a:t>2018-08-28</a:t>
+              <a:t>2018-08-30</a:t>
             </a:fld>
             <a:endParaRPr lang="en-CA"/>
           </a:p>
@@ -10915,7 +11396,7 @@
           <a:p>
             <a:fld id="{E90D3179-7F71-41F5-BB22-F3BCFE62F206}" type="datetimeFigureOut">
               <a:rPr lang="en-CA" smtClean="0"/>
-              <a:t>2018-08-28</a:t>
+              <a:t>2018-08-30</a:t>
             </a:fld>
             <a:endParaRPr lang="en-CA"/>
           </a:p>
@@ -11282,7 +11763,7 @@
           <a:p>
             <a:fld id="{E90D3179-7F71-41F5-BB22-F3BCFE62F206}" type="datetimeFigureOut">
               <a:rPr lang="en-CA" smtClean="0"/>
-              <a:t>2018-08-28</a:t>
+              <a:t>2018-08-30</a:t>
             </a:fld>
             <a:endParaRPr lang="en-CA"/>
           </a:p>
@@ -11400,7 +11881,7 @@
           <a:p>
             <a:fld id="{E90D3179-7F71-41F5-BB22-F3BCFE62F206}" type="datetimeFigureOut">
               <a:rPr lang="en-CA" smtClean="0"/>
-              <a:t>2018-08-28</a:t>
+              <a:t>2018-08-30</a:t>
             </a:fld>
             <a:endParaRPr lang="en-CA"/>
           </a:p>
@@ -11495,7 +11976,7 @@
           <a:p>
             <a:fld id="{E90D3179-7F71-41F5-BB22-F3BCFE62F206}" type="datetimeFigureOut">
               <a:rPr lang="en-CA" smtClean="0"/>
-              <a:t>2018-08-28</a:t>
+              <a:t>2018-08-30</a:t>
             </a:fld>
             <a:endParaRPr lang="en-CA"/>
           </a:p>
@@ -11772,7 +12253,7 @@
           <a:p>
             <a:fld id="{E90D3179-7F71-41F5-BB22-F3BCFE62F206}" type="datetimeFigureOut">
               <a:rPr lang="en-CA" smtClean="0"/>
-              <a:t>2018-08-28</a:t>
+              <a:t>2018-08-30</a:t>
             </a:fld>
             <a:endParaRPr lang="en-CA"/>
           </a:p>
@@ -12025,7 +12506,7 @@
           <a:p>
             <a:fld id="{E90D3179-7F71-41F5-BB22-F3BCFE62F206}" type="datetimeFigureOut">
               <a:rPr lang="en-CA" smtClean="0"/>
-              <a:t>2018-08-28</a:t>
+              <a:t>2018-08-30</a:t>
             </a:fld>
             <a:endParaRPr lang="en-CA"/>
           </a:p>
@@ -12238,7 +12719,7 @@
           <a:p>
             <a:fld id="{E90D3179-7F71-41F5-BB22-F3BCFE62F206}" type="datetimeFigureOut">
               <a:rPr lang="en-CA" smtClean="0"/>
-              <a:t>2018-08-28</a:t>
+              <a:t>2018-08-30</a:t>
             </a:fld>
             <a:endParaRPr lang="en-CA"/>
           </a:p>
@@ -13221,7 +13702,7 @@
         <p:spPr>
           <a:xfrm>
             <a:off x="-7" y="1464347"/>
-            <a:ext cx="5798134" cy="512569"/>
+            <a:ext cx="1499200" cy="512569"/>
           </a:xfrm>
           <a:prstGeom prst="rect">
             <a:avLst/>
@@ -13371,62 +13852,14 @@
       </p:sp>
       <p:sp>
         <p:nvSpPr>
-          <p:cNvPr id="9" name="Rounded Rectangle 8"/>
-          <p:cNvSpPr/>
-          <p:nvPr/>
-        </p:nvSpPr>
-        <p:spPr>
-          <a:xfrm>
-            <a:off x="4677360" y="371252"/>
-            <a:ext cx="659576" cy="659576"/>
-          </a:xfrm>
-          <a:prstGeom prst="roundRect">
-            <a:avLst/>
-          </a:prstGeom>
-          <a:solidFill>
-            <a:schemeClr val="accent1">
-              <a:lumMod val="75000"/>
-            </a:schemeClr>
-          </a:solidFill>
-          <a:ln>
-            <a:noFill/>
-          </a:ln>
-        </p:spPr>
-        <p:style>
-          <a:lnRef idx="2">
-            <a:schemeClr val="accent1">
-              <a:shade val="50000"/>
-            </a:schemeClr>
-          </a:lnRef>
-          <a:fillRef idx="1">
-            <a:schemeClr val="accent1"/>
-          </a:fillRef>
-          <a:effectRef idx="0">
-            <a:schemeClr val="accent1"/>
-          </a:effectRef>
-          <a:fontRef idx="minor">
-            <a:schemeClr val="lt1"/>
-          </a:fontRef>
-        </p:style>
-        <p:txBody>
-          <a:bodyPr rtlCol="0" anchor="ctr"/>
-          <a:lstStyle/>
-          <a:p>
-            <a:pPr algn="ctr"/>
-            <a:endParaRPr lang="en-CA"/>
-          </a:p>
-        </p:txBody>
-      </p:sp>
-      <p:sp>
-        <p:nvSpPr>
           <p:cNvPr id="13" name="Rectangle 12"/>
           <p:cNvSpPr/>
           <p:nvPr/>
         </p:nvSpPr>
         <p:spPr>
           <a:xfrm>
-            <a:off x="-7" y="1976916"/>
-            <a:ext cx="5798134" cy="512569"/>
+            <a:off x="1499193" y="1472402"/>
+            <a:ext cx="1463463" cy="512569"/>
           </a:xfrm>
           <a:prstGeom prst="rect">
             <a:avLst/>
